--- a/main/reference/dd.pptx
+++ b/main/reference/dd.pptx
@@ -3411,7 +3411,7 @@
           <p:nvPr/>
         </p:nvGraphicFramePr>
         <p:xfrm rot="0">
-          <a:off x="2682550" y="1165860"/>
+          <a:off x="2068032" y="1165860"/>
           <a:ext cx="3657600" cy="2743200"/>
         </p:xfrm>
         <a:graphic>
@@ -3420,12 +3420,13 @@
               <a:tblPr/>
               <a:tblGrid>
                 <a:gridCol w="1743011"/>
-                <a:gridCol w="1270972"/>
-                <a:gridCol w="1270972"/>
-                <a:gridCol w="1270972"/>
-                <a:gridCol w="1270972"/>
+                <a:gridCol w="1262585"/>
+                <a:gridCol w="1262585"/>
+                <a:gridCol w="1262585"/>
+                <a:gridCol w="1262585"/>
+                <a:gridCol w="1262585"/>
               </a:tblGrid>
-              <a:tr h="261603">
+              <a:tr h="267333">
                 <a:tc>
                   <a:txBody>
                     <a:bodyPr/>
@@ -3455,7 +3456,7 @@
                           <a:ea typeface="arial"/>
                           <a:sym typeface="arial"/>
                         </a:rPr>
-                        <a:t/>
+                        <a:t>N (%)</a:t>
                       </a:r>
                       <a:r>
                         <a:rPr cap="none" sz="1400" i="0" b="1" u="none" baseline="40000">
@@ -3725,8 +3726,6 @@
                     </a:solidFill>
                   </a:tcPr>
                 </a:tc>
-              </a:tr>
-              <a:tr h="267333">
                 <a:tc>
                   <a:txBody>
                     <a:bodyPr/>
@@ -3756,235 +3755,7 @@
                           <a:ea typeface="arial"/>
                           <a:sym typeface="arial"/>
                         </a:rPr>
-                        <a:t>N (%)</a:t>
-                      </a:r>
-                    </a:p>
-                  </a:txBody>
-                  <a:tcPr anchor="ctr" marB="38100" marT="38100" marR="0" marL="0">
-                    <a:lnL algn="ctr" cmpd="sng" cap="flat" w="0">
-                      <a:noFill/>
-                      <a:prstDash val="solid"/>
-                    </a:lnL>
-                    <a:lnR algn="ctr" cmpd="sng" cap="flat" w="0">
-                      <a:noFill/>
-                      <a:prstDash val="solid"/>
-                    </a:lnR>
-                    <a:lnT algn="ctr" cmpd="sng" cap="flat" w="0">
-                      <a:noFill/>
-                      <a:prstDash val="solid"/>
-                    </a:lnT>
-                    <a:lnB algn="ctr" cmpd="sng" cap="flat" w="0">
-                      <a:noFill/>
-                      <a:prstDash val="solid"/>
-                    </a:lnB>
-                    <a:solidFill>
-                      <a:srgbClr val="ED4A0D">
-                        <a:alpha val="100000"/>
-                      </a:srgbClr>
-                    </a:solidFill>
-                  </a:tcPr>
-                </a:tc>
-                <a:tc>
-                  <a:txBody>
-                    <a:bodyPr/>
-                    <a:lstStyle/>
-                    <a:p>
-                      <a:pPr algn="ctr" marL="63500" marR="63500">
-                        <a:lnSpc>
-                          <a:spcPct val="100000"/>
-                        </a:lnSpc>
-                        <a:spcBef>
-                          <a:spcPts val="300"/>
-                        </a:spcBef>
-                        <a:spcAft>
-                          <a:spcPts val="300"/>
-                        </a:spcAft>
-                        <a:buNone/>
-                      </a:pPr>
-                      <a:r>
-                        <a:rPr cap="none" sz="1400" i="0" b="1" u="none">
-                          <a:solidFill>
-                            <a:srgbClr val="FFFFFF">
-                              <a:alpha val="100000"/>
-                            </a:srgbClr>
-                          </a:solidFill>
-                          <a:latin typeface="arial"/>
-                          <a:cs typeface="arial"/>
-                          <a:ea typeface="arial"/>
-                          <a:sym typeface="arial"/>
-                        </a:rPr>
-                        <a:t>(N=134)</a:t>
-                      </a:r>
-                    </a:p>
-                  </a:txBody>
-                  <a:tcPr anchor="ctr" marB="38100" marT="38100" marR="0" marL="0">
-                    <a:lnL algn="ctr" cmpd="sng" cap="flat" w="0">
-                      <a:noFill/>
-                      <a:prstDash val="solid"/>
-                    </a:lnL>
-                    <a:lnR algn="ctr" cmpd="sng" cap="flat" w="0">
-                      <a:noFill/>
-                      <a:prstDash val="solid"/>
-                    </a:lnR>
-                    <a:lnT algn="ctr" cmpd="sng" cap="flat" w="0">
-                      <a:noFill/>
-                      <a:prstDash val="solid"/>
-                    </a:lnT>
-                    <a:lnB algn="ctr" cmpd="sng" cap="flat" w="0">
-                      <a:noFill/>
-                      <a:prstDash val="solid"/>
-                    </a:lnB>
-                    <a:solidFill>
-                      <a:srgbClr val="ED4A0D">
-                        <a:alpha val="100000"/>
-                      </a:srgbClr>
-                    </a:solidFill>
-                  </a:tcPr>
-                </a:tc>
-                <a:tc>
-                  <a:txBody>
-                    <a:bodyPr/>
-                    <a:lstStyle/>
-                    <a:p>
-                      <a:pPr algn="ctr" marL="63500" marR="63500">
-                        <a:lnSpc>
-                          <a:spcPct val="100000"/>
-                        </a:lnSpc>
-                        <a:spcBef>
-                          <a:spcPts val="300"/>
-                        </a:spcBef>
-                        <a:spcAft>
-                          <a:spcPts val="300"/>
-                        </a:spcAft>
-                        <a:buNone/>
-                      </a:pPr>
-                      <a:r>
-                        <a:rPr cap="none" sz="1400" i="0" b="1" u="none">
-                          <a:solidFill>
-                            <a:srgbClr val="FFFFFF">
-                              <a:alpha val="100000"/>
-                            </a:srgbClr>
-                          </a:solidFill>
-                          <a:latin typeface="arial"/>
-                          <a:cs typeface="arial"/>
-                          <a:ea typeface="arial"/>
-                          <a:sym typeface="arial"/>
-                        </a:rPr>
-                        <a:t>(N=134)</a:t>
-                      </a:r>
-                    </a:p>
-                  </a:txBody>
-                  <a:tcPr anchor="ctr" marB="38100" marT="38100" marR="0" marL="0">
-                    <a:lnL algn="ctr" cmpd="sng" cap="flat" w="0">
-                      <a:noFill/>
-                      <a:prstDash val="solid"/>
-                    </a:lnL>
-                    <a:lnR algn="ctr" cmpd="sng" cap="flat" w="0">
-                      <a:noFill/>
-                      <a:prstDash val="solid"/>
-                    </a:lnR>
-                    <a:lnT algn="ctr" cmpd="sng" cap="flat" w="0">
-                      <a:noFill/>
-                      <a:prstDash val="solid"/>
-                    </a:lnT>
-                    <a:lnB algn="ctr" cmpd="sng" cap="flat" w="0">
-                      <a:noFill/>
-                      <a:prstDash val="solid"/>
-                    </a:lnB>
-                    <a:solidFill>
-                      <a:srgbClr val="ED4A0D">
-                        <a:alpha val="100000"/>
-                      </a:srgbClr>
-                    </a:solidFill>
-                  </a:tcPr>
-                </a:tc>
-                <a:tc>
-                  <a:txBody>
-                    <a:bodyPr/>
-                    <a:lstStyle/>
-                    <a:p>
-                      <a:pPr algn="ctr" marL="63500" marR="63500">
-                        <a:lnSpc>
-                          <a:spcPct val="100000"/>
-                        </a:lnSpc>
-                        <a:spcBef>
-                          <a:spcPts val="300"/>
-                        </a:spcBef>
-                        <a:spcAft>
-                          <a:spcPts val="300"/>
-                        </a:spcAft>
-                        <a:buNone/>
-                      </a:pPr>
-                      <a:r>
-                        <a:rPr cap="none" sz="1400" i="0" b="1" u="none">
-                          <a:solidFill>
-                            <a:srgbClr val="FFFFFF">
-                              <a:alpha val="100000"/>
-                            </a:srgbClr>
-                          </a:solidFill>
-                          <a:latin typeface="arial"/>
-                          <a:cs typeface="arial"/>
-                          <a:ea typeface="arial"/>
-                          <a:sym typeface="arial"/>
-                        </a:rPr>
-                        <a:t>(N=132)</a:t>
-                      </a:r>
-                    </a:p>
-                  </a:txBody>
-                  <a:tcPr anchor="ctr" marB="38100" marT="38100" marR="0" marL="0">
-                    <a:lnL algn="ctr" cmpd="sng" cap="flat" w="0">
-                      <a:noFill/>
-                      <a:prstDash val="solid"/>
-                    </a:lnL>
-                    <a:lnR algn="ctr" cmpd="sng" cap="flat" w="0">
-                      <a:noFill/>
-                      <a:prstDash val="solid"/>
-                    </a:lnR>
-                    <a:lnT algn="ctr" cmpd="sng" cap="flat" w="0">
-                      <a:noFill/>
-                      <a:prstDash val="solid"/>
-                    </a:lnT>
-                    <a:lnB algn="ctr" cmpd="sng" cap="flat" w="0">
-                      <a:noFill/>
-                      <a:prstDash val="solid"/>
-                    </a:lnB>
-                    <a:solidFill>
-                      <a:srgbClr val="ED4A0D">
-                        <a:alpha val="100000"/>
-                      </a:srgbClr>
-                    </a:solidFill>
-                  </a:tcPr>
-                </a:tc>
-                <a:tc>
-                  <a:txBody>
-                    <a:bodyPr/>
-                    <a:lstStyle/>
-                    <a:p>
-                      <a:pPr algn="ctr" marL="63500" marR="63500">
-                        <a:lnSpc>
-                          <a:spcPct val="100000"/>
-                        </a:lnSpc>
-                        <a:spcBef>
-                          <a:spcPts val="300"/>
-                        </a:spcBef>
-                        <a:spcAft>
-                          <a:spcPts val="300"/>
-                        </a:spcAft>
-                        <a:buNone/>
-                      </a:pPr>
-                      <a:r>
-                        <a:rPr cap="none" sz="1400" i="0" b="1" u="none">
-                          <a:solidFill>
-                            <a:srgbClr val="FFFFFF">
-                              <a:alpha val="100000"/>
-                            </a:srgbClr>
-                          </a:solidFill>
-                          <a:latin typeface="arial"/>
-                          <a:cs typeface="arial"/>
-                          <a:ea typeface="arial"/>
-                          <a:sym typeface="arial"/>
-                        </a:rPr>
-                        <a:t>(N=400)</a:t>
+                        <a:t>All Patients</a:t>
                       </a:r>
                     </a:p>
                   </a:txBody>
@@ -4215,6 +3986,63 @@
                           <a:sym typeface="arial"/>
                         </a:rPr>
                         <a:t>22 (16.67%)</a:t>
+                      </a:r>
+                    </a:p>
+                  </a:txBody>
+                  <a:tcPr anchor="ctr" marB="38100" marT="38100" marR="0" marL="0">
+                    <a:lnL algn="ctr" cmpd="sng" cap="flat" w="0">
+                      <a:noFill/>
+                      <a:prstDash val="solid"/>
+                    </a:lnL>
+                    <a:lnR algn="ctr" cmpd="sng" cap="flat" w="0">
+                      <a:noFill/>
+                      <a:prstDash val="solid"/>
+                    </a:lnR>
+                    <a:lnT algn="ctr" cmpd="sng" cap="flat" w="0">
+                      <a:noFill/>
+                      <a:prstDash val="solid"/>
+                    </a:lnT>
+                    <a:lnB algn="ctr" cmpd="sng" cap="flat" w="0">
+                      <a:noFill/>
+                      <a:prstDash val="solid"/>
+                    </a:lnB>
+                    <a:solidFill>
+                      <a:srgbClr val="FF7D29">
+                        <a:alpha val="100000"/>
+                      </a:srgbClr>
+                    </a:solidFill>
+                  </a:tcPr>
+                </a:tc>
+                <a:tc>
+                  <a:txBody>
+                    <a:bodyPr/>
+                    <a:lstStyle/>
+                    <a:p>
+                      <a:pPr algn="ctr" marL="63500" marR="63500">
+                        <a:lnSpc>
+                          <a:spcPct val="100000"/>
+                        </a:lnSpc>
+                        <a:spcBef>
+                          <a:spcPts val="300"/>
+                        </a:spcBef>
+                        <a:spcAft>
+                          <a:spcPts val="300"/>
+                        </a:spcAft>
+                        <a:buNone/>
+                      </a:pPr>
+                      <a:r>
+                        <a:rPr cap="none" sz="1200" i="0" b="0" u="none">
+                          <a:solidFill>
+                            <a:srgbClr val="000000">
+                              <a:alpha val="100000"/>
+                            </a:srgbClr>
+                          </a:solidFill>
+                          <a:latin typeface="arial"/>
+                          <a:cs typeface="arial"/>
+                          <a:ea typeface="arial"/>
+                          <a:sym typeface="arial"/>
+                        </a:rPr>
+                        <a:t>70 (17.50%)</a:t>
                       </a:r>
                     </a:p>
                   </a:txBody>
@@ -4630,6 +4458,74 @@
                     </a:solidFill>
                   </a:tcPr>
                 </a:tc>
+                <a:tc>
+                  <a:txBody>
+                    <a:bodyPr/>
+                    <a:lstStyle/>
+                    <a:p>
+                      <a:pPr algn="ctr" marL="63500" marR="63500">
+                        <a:lnSpc>
+                          <a:spcPct val="100000"/>
+                        </a:lnSpc>
+                        <a:spcBef>
+                          <a:spcPts val="300"/>
+                        </a:spcBef>
+                        <a:spcAft>
+                          <a:spcPts val="300"/>
+                        </a:spcAft>
+                        <a:buNone/>
+                      </a:pPr>
+                      <a:endParaRPr cap="none" sz="1200" i="0" b="0" u="none">
+                        <a:solidFill>
+                          <a:srgbClr val="000000">
+                            <a:alpha val="100000"/>
+                          </a:srgbClr>
+                        </a:solidFill>
+                        <a:latin typeface="arial"/>
+                        <a:cs typeface="arial"/>
+                        <a:ea typeface="arial"/>
+                        <a:sym typeface="arial"/>
+                      </a:endParaRPr>
+                      <a:r>
+                        <a:rPr cap="none" sz="1200" i="0" b="0" u="none">
+                          <a:solidFill>
+                            <a:srgbClr val="000000">
+                              <a:alpha val="100000"/>
+                            </a:srgbClr>
+                          </a:solidFill>
+                          <a:latin typeface="arial"/>
+                          <a:cs typeface="arial"/>
+                          <a:ea typeface="arial"/>
+                          <a:sym typeface="arial"/>
+                        </a:rPr>
+                        <a:t/>
+                      </a:r>
+                    </a:p>
+                  </a:txBody>
+                  <a:tcPr anchor="ctr" marB="38100" marT="38100" marR="0" marL="0">
+                    <a:lnL algn="ctr" cmpd="sng" cap="flat" w="0">
+                      <a:noFill/>
+                      <a:prstDash val="solid"/>
+                    </a:lnL>
+                    <a:lnR algn="ctr" cmpd="sng" cap="flat" w="0">
+                      <a:noFill/>
+                      <a:prstDash val="solid"/>
+                    </a:lnR>
+                    <a:lnT algn="ctr" cmpd="sng" cap="flat" w="0">
+                      <a:noFill/>
+                      <a:prstDash val="solid"/>
+                    </a:lnT>
+                    <a:lnB algn="ctr" cmpd="sng" cap="flat" w="0">
+                      <a:noFill/>
+                      <a:prstDash val="solid"/>
+                    </a:lnB>
+                    <a:solidFill>
+                      <a:srgbClr val="FFBD69">
+                        <a:alpha val="100000"/>
+                      </a:srgbClr>
+                    </a:solidFill>
+                  </a:tcPr>
+                </a:tc>
               </a:tr>
               <a:tr h="243656">
                 <a:tc>
@@ -4917,6 +4813,63 @@
                     </a:solidFill>
                   </a:tcPr>
                 </a:tc>
+                <a:tc>
+                  <a:txBody>
+                    <a:bodyPr/>
+                    <a:lstStyle/>
+                    <a:p>
+                      <a:pPr algn="ctr" marL="63500" marR="63500">
+                        <a:lnSpc>
+                          <a:spcPct val="100000"/>
+                        </a:lnSpc>
+                        <a:spcBef>
+                          <a:spcPts val="300"/>
+                        </a:spcBef>
+                        <a:spcAft>
+                          <a:spcPts val="300"/>
+                        </a:spcAft>
+                        <a:buNone/>
+                      </a:pPr>
+                      <a:r>
+                        <a:rPr cap="none" sz="1200" i="0" b="0" u="none">
+                          <a:solidFill>
+                            <a:srgbClr val="000000">
+                              <a:alpha val="100000"/>
+                            </a:srgbClr>
+                          </a:solidFill>
+                          <a:latin typeface="arial"/>
+                          <a:cs typeface="arial"/>
+                          <a:ea typeface="arial"/>
+                          <a:sym typeface="arial"/>
+                        </a:rPr>
+                        <a:t>20 (28.6%)</a:t>
+                      </a:r>
+                    </a:p>
+                  </a:txBody>
+                  <a:tcPr anchor="ctr" marB="38100" marT="38100" marR="0" marL="0">
+                    <a:lnL algn="ctr" cmpd="sng" cap="flat" w="0">
+                      <a:noFill/>
+                      <a:prstDash val="solid"/>
+                    </a:lnL>
+                    <a:lnR algn="ctr" cmpd="sng" cap="flat" w="0">
+                      <a:noFill/>
+                      <a:prstDash val="solid"/>
+                    </a:lnR>
+                    <a:lnT algn="ctr" cmpd="sng" cap="flat" w="0">
+                      <a:noFill/>
+                      <a:prstDash val="solid"/>
+                    </a:lnT>
+                    <a:lnB algn="ctr" cmpd="sng" cap="flat" w="0">
+                      <a:noFill/>
+                      <a:prstDash val="solid"/>
+                    </a:lnB>
+                    <a:solidFill>
+                      <a:srgbClr val="FF7D29">
+                        <a:alpha val="100000"/>
+                      </a:srgbClr>
+                    </a:solidFill>
+                  </a:tcPr>
+                </a:tc>
               </a:tr>
               <a:tr h="243582">
                 <a:tc>
@@ -5204,6 +5157,63 @@
                     </a:solidFill>
                   </a:tcPr>
                 </a:tc>
+                <a:tc>
+                  <a:txBody>
+                    <a:bodyPr/>
+                    <a:lstStyle/>
+                    <a:p>
+                      <a:pPr algn="ctr" marL="63500" marR="63500">
+                        <a:lnSpc>
+                          <a:spcPct val="100000"/>
+                        </a:lnSpc>
+                        <a:spcBef>
+                          <a:spcPts val="300"/>
+                        </a:spcBef>
+                        <a:spcAft>
+                          <a:spcPts val="300"/>
+                        </a:spcAft>
+                        <a:buNone/>
+                      </a:pPr>
+                      <a:r>
+                        <a:rPr cap="none" sz="1200" i="0" b="0" u="none">
+                          <a:solidFill>
+                            <a:srgbClr val="000000">
+                              <a:alpha val="100000"/>
+                            </a:srgbClr>
+                          </a:solidFill>
+                          <a:latin typeface="arial"/>
+                          <a:cs typeface="arial"/>
+                          <a:ea typeface="arial"/>
+                          <a:sym typeface="arial"/>
+                        </a:rPr>
+                        <a:t>26 (37.1%)</a:t>
+                      </a:r>
+                    </a:p>
+                  </a:txBody>
+                  <a:tcPr anchor="ctr" marB="38100" marT="38100" marR="0" marL="0">
+                    <a:lnL algn="ctr" cmpd="sng" cap="flat" w="0">
+                      <a:noFill/>
+                      <a:prstDash val="solid"/>
+                    </a:lnL>
+                    <a:lnR algn="ctr" cmpd="sng" cap="flat" w="0">
+                      <a:noFill/>
+                      <a:prstDash val="solid"/>
+                    </a:lnR>
+                    <a:lnT algn="ctr" cmpd="sng" cap="flat" w="0">
+                      <a:noFill/>
+                      <a:prstDash val="solid"/>
+                    </a:lnT>
+                    <a:lnB algn="ctr" cmpd="sng" cap="flat" w="0">
+                      <a:noFill/>
+                      <a:prstDash val="solid"/>
+                    </a:lnB>
+                    <a:solidFill>
+                      <a:srgbClr val="FFBD69">
+                        <a:alpha val="100000"/>
+                      </a:srgbClr>
+                    </a:solidFill>
+                  </a:tcPr>
+                </a:tc>
               </a:tr>
               <a:tr h="243582">
                 <a:tc>
@@ -5491,9 +5501,66 @@
                     </a:solidFill>
                   </a:tcPr>
                 </a:tc>
+                <a:tc>
+                  <a:txBody>
+                    <a:bodyPr/>
+                    <a:lstStyle/>
+                    <a:p>
+                      <a:pPr algn="ctr" marL="63500" marR="63500">
+                        <a:lnSpc>
+                          <a:spcPct val="100000"/>
+                        </a:lnSpc>
+                        <a:spcBef>
+                          <a:spcPts val="300"/>
+                        </a:spcBef>
+                        <a:spcAft>
+                          <a:spcPts val="300"/>
+                        </a:spcAft>
+                        <a:buNone/>
+                      </a:pPr>
+                      <a:r>
+                        <a:rPr cap="none" sz="1200" i="0" b="0" u="none">
+                          <a:solidFill>
+                            <a:srgbClr val="000000">
+                              <a:alpha val="100000"/>
+                            </a:srgbClr>
+                          </a:solidFill>
+                          <a:latin typeface="arial"/>
+                          <a:cs typeface="arial"/>
+                          <a:ea typeface="arial"/>
+                          <a:sym typeface="arial"/>
+                        </a:rPr>
+                        <a:t>24 (34.3%)</a:t>
+                      </a:r>
+                    </a:p>
+                  </a:txBody>
+                  <a:tcPr anchor="ctr" marB="38100" marT="38100" marR="0" marL="0">
+                    <a:lnL algn="ctr" cmpd="sng" cap="flat" w="0">
+                      <a:noFill/>
+                      <a:prstDash val="solid"/>
+                    </a:lnL>
+                    <a:lnR algn="ctr" cmpd="sng" cap="flat" w="0">
+                      <a:noFill/>
+                      <a:prstDash val="solid"/>
+                    </a:lnR>
+                    <a:lnT algn="ctr" cmpd="sng" cap="flat" w="0">
+                      <a:noFill/>
+                      <a:prstDash val="solid"/>
+                    </a:lnT>
+                    <a:lnB algn="ctr" cmpd="sng" cap="flat" w="0">
+                      <a:noFill/>
+                      <a:prstDash val="solid"/>
+                    </a:lnB>
+                    <a:solidFill>
+                      <a:srgbClr val="FF7D29">
+                        <a:alpha val="100000"/>
+                      </a:srgbClr>
+                    </a:solidFill>
+                  </a:tcPr>
+                </a:tc>
               </a:tr>
               <a:tr h="228600">
-                <a:tc gridSpan="5">
+                <a:tc gridSpan="6">
                   <a:txBody>
                     <a:bodyPr/>
                     <a:lstStyle/>
@@ -5565,6 +5632,74 @@
                           <a:sym typeface="DejaVu Sans"/>
                         </a:rPr>
                         <a:t>; </a:t>
+                      </a:r>
+                    </a:p>
+                  </a:txBody>
+                  <a:tcPr anchor="ctr" marB="63500" marT="63500" marR="0" marL="0">
+                    <a:lnL algn="ctr" cmpd="sng" cap="flat" w="0">
+                      <a:noFill/>
+                      <a:prstDash val="solid"/>
+                    </a:lnL>
+                    <a:lnR algn="ctr" cmpd="sng" cap="flat" w="0">
+                      <a:noFill/>
+                      <a:prstDash val="solid"/>
+                    </a:lnR>
+                    <a:lnT algn="ctr" cmpd="sng" cap="flat" w="0">
+                      <a:noFill/>
+                      <a:prstDash val="solid"/>
+                    </a:lnT>
+                    <a:lnB algn="ctr" cmpd="sng" cap="flat" w="0">
+                      <a:noFill/>
+                      <a:prstDash val="solid"/>
+                    </a:lnB>
+                    <a:solidFill>
+                      <a:srgbClr val="FFFFFF">
+                        <a:alpha val="0"/>
+                      </a:srgbClr>
+                    </a:solidFill>
+                  </a:tcPr>
+                </a:tc>
+                <a:tc hMerge="true">
+                  <a:txBody>
+                    <a:bodyPr/>
+                    <a:lstStyle/>
+                    <a:p>
+                      <a:pPr algn="l" marL="63500" marR="63500">
+                        <a:lnSpc>
+                          <a:spcPct val="100000"/>
+                        </a:lnSpc>
+                        <a:spcBef>
+                          <a:spcPts val="500"/>
+                        </a:spcBef>
+                        <a:spcAft>
+                          <a:spcPts val="500"/>
+                        </a:spcAft>
+                        <a:buNone/>
+                      </a:pPr>
+                      <a:endParaRPr cap="none" sz="1100" i="0" b="0" u="none">
+                        <a:solidFill>
+                          <a:srgbClr val="000000">
+                            <a:alpha val="100000"/>
+                          </a:srgbClr>
+                        </a:solidFill>
+                        <a:latin typeface="DejaVu Sans"/>
+                        <a:cs typeface="DejaVu Sans"/>
+                        <a:ea typeface="DejaVu Sans"/>
+                        <a:sym typeface="DejaVu Sans"/>
+                      </a:endParaRPr>
+                      <a:r>
+                        <a:rPr cap="none" sz="1100" i="0" b="0" u="none">
+                          <a:solidFill>
+                            <a:srgbClr val="000000">
+                              <a:alpha val="100000"/>
+                            </a:srgbClr>
+                          </a:solidFill>
+                          <a:latin typeface="DejaVu Sans"/>
+                          <a:cs typeface="DejaVu Sans"/>
+                          <a:ea typeface="DejaVu Sans"/>
+                          <a:sym typeface="DejaVu Sans"/>
+                        </a:rPr>
+                        <a:t/>
                       </a:r>
                     </a:p>
                   </a:txBody>

--- a/main/reference/dd.pptx
+++ b/main/reference/dd.pptx
@@ -3411,7 +3411,7 @@
           <p:nvPr/>
         </p:nvGraphicFramePr>
         <p:xfrm rot="0">
-          <a:off x="2068032" y="1165860"/>
+          <a:off x="2682550" y="1165860"/>
           <a:ext cx="3657600" cy="2743200"/>
         </p:xfrm>
         <a:graphic>
@@ -3420,11 +3420,10 @@
               <a:tblPr/>
               <a:tblGrid>
                 <a:gridCol w="1743011"/>
-                <a:gridCol w="1262585"/>
-                <a:gridCol w="1262585"/>
-                <a:gridCol w="1262585"/>
-                <a:gridCol w="1262585"/>
-                <a:gridCol w="1262585"/>
+                <a:gridCol w="1270972"/>
+                <a:gridCol w="1270972"/>
+                <a:gridCol w="1270972"/>
+                <a:gridCol w="1270972"/>
               </a:tblGrid>
               <a:tr h="267333">
                 <a:tc>
@@ -3726,63 +3725,6 @@
                     </a:solidFill>
                   </a:tcPr>
                 </a:tc>
-                <a:tc>
-                  <a:txBody>
-                    <a:bodyPr/>
-                    <a:lstStyle/>
-                    <a:p>
-                      <a:pPr algn="ctr" marL="63500" marR="63500">
-                        <a:lnSpc>
-                          <a:spcPct val="100000"/>
-                        </a:lnSpc>
-                        <a:spcBef>
-                          <a:spcPts val="300"/>
-                        </a:spcBef>
-                        <a:spcAft>
-                          <a:spcPts val="300"/>
-                        </a:spcAft>
-                        <a:buNone/>
-                      </a:pPr>
-                      <a:r>
-                        <a:rPr cap="none" sz="1400" i="0" b="1" u="none">
-                          <a:solidFill>
-                            <a:srgbClr val="FFFFFF">
-                              <a:alpha val="100000"/>
-                            </a:srgbClr>
-                          </a:solidFill>
-                          <a:latin typeface="arial"/>
-                          <a:cs typeface="arial"/>
-                          <a:ea typeface="arial"/>
-                          <a:sym typeface="arial"/>
-                        </a:rPr>
-                        <a:t>All Patients</a:t>
-                      </a:r>
-                    </a:p>
-                  </a:txBody>
-                  <a:tcPr anchor="ctr" marB="38100" marT="38100" marR="0" marL="0">
-                    <a:lnL algn="ctr" cmpd="sng" cap="flat" w="0">
-                      <a:noFill/>
-                      <a:prstDash val="solid"/>
-                    </a:lnL>
-                    <a:lnR algn="ctr" cmpd="sng" cap="flat" w="0">
-                      <a:noFill/>
-                      <a:prstDash val="solid"/>
-                    </a:lnR>
-                    <a:lnT algn="ctr" cmpd="sng" cap="flat" w="0">
-                      <a:noFill/>
-                      <a:prstDash val="solid"/>
-                    </a:lnT>
-                    <a:lnB algn="ctr" cmpd="sng" cap="flat" w="0">
-                      <a:noFill/>
-                      <a:prstDash val="solid"/>
-                    </a:lnB>
-                    <a:solidFill>
-                      <a:srgbClr val="ED4A0D">
-                        <a:alpha val="100000"/>
-                      </a:srgbClr>
-                    </a:solidFill>
-                  </a:tcPr>
-                </a:tc>
               </a:tr>
               <a:tr h="243582">
                 <a:tc>
@@ -3986,63 +3928,6 @@
                           <a:sym typeface="arial"/>
                         </a:rPr>
                         <a:t>22 (16.67%)</a:t>
-                      </a:r>
-                    </a:p>
-                  </a:txBody>
-                  <a:tcPr anchor="ctr" marB="38100" marT="38100" marR="0" marL="0">
-                    <a:lnL algn="ctr" cmpd="sng" cap="flat" w="0">
-                      <a:noFill/>
-                      <a:prstDash val="solid"/>
-                    </a:lnL>
-                    <a:lnR algn="ctr" cmpd="sng" cap="flat" w="0">
-                      <a:noFill/>
-                      <a:prstDash val="solid"/>
-                    </a:lnR>
-                    <a:lnT algn="ctr" cmpd="sng" cap="flat" w="0">
-                      <a:noFill/>
-                      <a:prstDash val="solid"/>
-                    </a:lnT>
-                    <a:lnB algn="ctr" cmpd="sng" cap="flat" w="0">
-                      <a:noFill/>
-                      <a:prstDash val="solid"/>
-                    </a:lnB>
-                    <a:solidFill>
-                      <a:srgbClr val="FF7D29">
-                        <a:alpha val="100000"/>
-                      </a:srgbClr>
-                    </a:solidFill>
-                  </a:tcPr>
-                </a:tc>
-                <a:tc>
-                  <a:txBody>
-                    <a:bodyPr/>
-                    <a:lstStyle/>
-                    <a:p>
-                      <a:pPr algn="ctr" marL="63500" marR="63500">
-                        <a:lnSpc>
-                          <a:spcPct val="100000"/>
-                        </a:lnSpc>
-                        <a:spcBef>
-                          <a:spcPts val="300"/>
-                        </a:spcBef>
-                        <a:spcAft>
-                          <a:spcPts val="300"/>
-                        </a:spcAft>
-                        <a:buNone/>
-                      </a:pPr>
-                      <a:r>
-                        <a:rPr cap="none" sz="1200" i="0" b="0" u="none">
-                          <a:solidFill>
-                            <a:srgbClr val="000000">
-                              <a:alpha val="100000"/>
-                            </a:srgbClr>
-                          </a:solidFill>
-                          <a:latin typeface="arial"/>
-                          <a:cs typeface="arial"/>
-                          <a:ea typeface="arial"/>
-                          <a:sym typeface="arial"/>
-                        </a:rPr>
-                        <a:t>70 (17.50%)</a:t>
                       </a:r>
                     </a:p>
                   </a:txBody>
@@ -4458,74 +4343,6 @@
                     </a:solidFill>
                   </a:tcPr>
                 </a:tc>
-                <a:tc>
-                  <a:txBody>
-                    <a:bodyPr/>
-                    <a:lstStyle/>
-                    <a:p>
-                      <a:pPr algn="ctr" marL="63500" marR="63500">
-                        <a:lnSpc>
-                          <a:spcPct val="100000"/>
-                        </a:lnSpc>
-                        <a:spcBef>
-                          <a:spcPts val="300"/>
-                        </a:spcBef>
-                        <a:spcAft>
-                          <a:spcPts val="300"/>
-                        </a:spcAft>
-                        <a:buNone/>
-                      </a:pPr>
-                      <a:endParaRPr cap="none" sz="1200" i="0" b="0" u="none">
-                        <a:solidFill>
-                          <a:srgbClr val="000000">
-                            <a:alpha val="100000"/>
-                          </a:srgbClr>
-                        </a:solidFill>
-                        <a:latin typeface="arial"/>
-                        <a:cs typeface="arial"/>
-                        <a:ea typeface="arial"/>
-                        <a:sym typeface="arial"/>
-                      </a:endParaRPr>
-                      <a:r>
-                        <a:rPr cap="none" sz="1200" i="0" b="0" u="none">
-                          <a:solidFill>
-                            <a:srgbClr val="000000">
-                              <a:alpha val="100000"/>
-                            </a:srgbClr>
-                          </a:solidFill>
-                          <a:latin typeface="arial"/>
-                          <a:cs typeface="arial"/>
-                          <a:ea typeface="arial"/>
-                          <a:sym typeface="arial"/>
-                        </a:rPr>
-                        <a:t/>
-                      </a:r>
-                    </a:p>
-                  </a:txBody>
-                  <a:tcPr anchor="ctr" marB="38100" marT="38100" marR="0" marL="0">
-                    <a:lnL algn="ctr" cmpd="sng" cap="flat" w="0">
-                      <a:noFill/>
-                      <a:prstDash val="solid"/>
-                    </a:lnL>
-                    <a:lnR algn="ctr" cmpd="sng" cap="flat" w="0">
-                      <a:noFill/>
-                      <a:prstDash val="solid"/>
-                    </a:lnR>
-                    <a:lnT algn="ctr" cmpd="sng" cap="flat" w="0">
-                      <a:noFill/>
-                      <a:prstDash val="solid"/>
-                    </a:lnT>
-                    <a:lnB algn="ctr" cmpd="sng" cap="flat" w="0">
-                      <a:noFill/>
-                      <a:prstDash val="solid"/>
-                    </a:lnB>
-                    <a:solidFill>
-                      <a:srgbClr val="FFBD69">
-                        <a:alpha val="100000"/>
-                      </a:srgbClr>
-                    </a:solidFill>
-                  </a:tcPr>
-                </a:tc>
               </a:tr>
               <a:tr h="243656">
                 <a:tc>
@@ -4729,63 +4546,6 @@
                           <a:sym typeface="arial"/>
                         </a:rPr>
                         <a:t>6 (27.3%)</a:t>
-                      </a:r>
-                    </a:p>
-                  </a:txBody>
-                  <a:tcPr anchor="ctr" marB="38100" marT="38100" marR="0" marL="0">
-                    <a:lnL algn="ctr" cmpd="sng" cap="flat" w="0">
-                      <a:noFill/>
-                      <a:prstDash val="solid"/>
-                    </a:lnL>
-                    <a:lnR algn="ctr" cmpd="sng" cap="flat" w="0">
-                      <a:noFill/>
-                      <a:prstDash val="solid"/>
-                    </a:lnR>
-                    <a:lnT algn="ctr" cmpd="sng" cap="flat" w="0">
-                      <a:noFill/>
-                      <a:prstDash val="solid"/>
-                    </a:lnT>
-                    <a:lnB algn="ctr" cmpd="sng" cap="flat" w="0">
-                      <a:noFill/>
-                      <a:prstDash val="solid"/>
-                    </a:lnB>
-                    <a:solidFill>
-                      <a:srgbClr val="FF7D29">
-                        <a:alpha val="100000"/>
-                      </a:srgbClr>
-                    </a:solidFill>
-                  </a:tcPr>
-                </a:tc>
-                <a:tc>
-                  <a:txBody>
-                    <a:bodyPr/>
-                    <a:lstStyle/>
-                    <a:p>
-                      <a:pPr algn="ctr" marL="63500" marR="63500">
-                        <a:lnSpc>
-                          <a:spcPct val="100000"/>
-                        </a:lnSpc>
-                        <a:spcBef>
-                          <a:spcPts val="300"/>
-                        </a:spcBef>
-                        <a:spcAft>
-                          <a:spcPts val="300"/>
-                        </a:spcAft>
-                        <a:buNone/>
-                      </a:pPr>
-                      <a:r>
-                        <a:rPr cap="none" sz="1200" i="0" b="0" u="none">
-                          <a:solidFill>
-                            <a:srgbClr val="000000">
-                              <a:alpha val="100000"/>
-                            </a:srgbClr>
-                          </a:solidFill>
-                          <a:latin typeface="arial"/>
-                          <a:cs typeface="arial"/>
-                          <a:ea typeface="arial"/>
-                          <a:sym typeface="arial"/>
-                        </a:rPr>
-                        <a:t>20 (28.6%)</a:t>
                       </a:r>
                     </a:p>
                   </a:txBody>
@@ -5157,63 +4917,6 @@
                     </a:solidFill>
                   </a:tcPr>
                 </a:tc>
-                <a:tc>
-                  <a:txBody>
-                    <a:bodyPr/>
-                    <a:lstStyle/>
-                    <a:p>
-                      <a:pPr algn="ctr" marL="63500" marR="63500">
-                        <a:lnSpc>
-                          <a:spcPct val="100000"/>
-                        </a:lnSpc>
-                        <a:spcBef>
-                          <a:spcPts val="300"/>
-                        </a:spcBef>
-                        <a:spcAft>
-                          <a:spcPts val="300"/>
-                        </a:spcAft>
-                        <a:buNone/>
-                      </a:pPr>
-                      <a:r>
-                        <a:rPr cap="none" sz="1200" i="0" b="0" u="none">
-                          <a:solidFill>
-                            <a:srgbClr val="000000">
-                              <a:alpha val="100000"/>
-                            </a:srgbClr>
-                          </a:solidFill>
-                          <a:latin typeface="arial"/>
-                          <a:cs typeface="arial"/>
-                          <a:ea typeface="arial"/>
-                          <a:sym typeface="arial"/>
-                        </a:rPr>
-                        <a:t>26 (37.1%)</a:t>
-                      </a:r>
-                    </a:p>
-                  </a:txBody>
-                  <a:tcPr anchor="ctr" marB="38100" marT="38100" marR="0" marL="0">
-                    <a:lnL algn="ctr" cmpd="sng" cap="flat" w="0">
-                      <a:noFill/>
-                      <a:prstDash val="solid"/>
-                    </a:lnL>
-                    <a:lnR algn="ctr" cmpd="sng" cap="flat" w="0">
-                      <a:noFill/>
-                      <a:prstDash val="solid"/>
-                    </a:lnR>
-                    <a:lnT algn="ctr" cmpd="sng" cap="flat" w="0">
-                      <a:noFill/>
-                      <a:prstDash val="solid"/>
-                    </a:lnT>
-                    <a:lnB algn="ctr" cmpd="sng" cap="flat" w="0">
-                      <a:noFill/>
-                      <a:prstDash val="solid"/>
-                    </a:lnB>
-                    <a:solidFill>
-                      <a:srgbClr val="FFBD69">
-                        <a:alpha val="100000"/>
-                      </a:srgbClr>
-                    </a:solidFill>
-                  </a:tcPr>
-                </a:tc>
               </a:tr>
               <a:tr h="243582">
                 <a:tc>
@@ -5501,66 +5204,9 @@
                     </a:solidFill>
                   </a:tcPr>
                 </a:tc>
-                <a:tc>
-                  <a:txBody>
-                    <a:bodyPr/>
-                    <a:lstStyle/>
-                    <a:p>
-                      <a:pPr algn="ctr" marL="63500" marR="63500">
-                        <a:lnSpc>
-                          <a:spcPct val="100000"/>
-                        </a:lnSpc>
-                        <a:spcBef>
-                          <a:spcPts val="300"/>
-                        </a:spcBef>
-                        <a:spcAft>
-                          <a:spcPts val="300"/>
-                        </a:spcAft>
-                        <a:buNone/>
-                      </a:pPr>
-                      <a:r>
-                        <a:rPr cap="none" sz="1200" i="0" b="0" u="none">
-                          <a:solidFill>
-                            <a:srgbClr val="000000">
-                              <a:alpha val="100000"/>
-                            </a:srgbClr>
-                          </a:solidFill>
-                          <a:latin typeface="arial"/>
-                          <a:cs typeface="arial"/>
-                          <a:ea typeface="arial"/>
-                          <a:sym typeface="arial"/>
-                        </a:rPr>
-                        <a:t>24 (34.3%)</a:t>
-                      </a:r>
-                    </a:p>
-                  </a:txBody>
-                  <a:tcPr anchor="ctr" marB="38100" marT="38100" marR="0" marL="0">
-                    <a:lnL algn="ctr" cmpd="sng" cap="flat" w="0">
-                      <a:noFill/>
-                      <a:prstDash val="solid"/>
-                    </a:lnL>
-                    <a:lnR algn="ctr" cmpd="sng" cap="flat" w="0">
-                      <a:noFill/>
-                      <a:prstDash val="solid"/>
-                    </a:lnR>
-                    <a:lnT algn="ctr" cmpd="sng" cap="flat" w="0">
-                      <a:noFill/>
-                      <a:prstDash val="solid"/>
-                    </a:lnT>
-                    <a:lnB algn="ctr" cmpd="sng" cap="flat" w="0">
-                      <a:noFill/>
-                      <a:prstDash val="solid"/>
-                    </a:lnB>
-                    <a:solidFill>
-                      <a:srgbClr val="FF7D29">
-                        <a:alpha val="100000"/>
-                      </a:srgbClr>
-                    </a:solidFill>
-                  </a:tcPr>
-                </a:tc>
               </a:tr>
               <a:tr h="228600">
-                <a:tc gridSpan="6">
+                <a:tc gridSpan="5">
                   <a:txBody>
                     <a:bodyPr/>
                     <a:lstStyle/>
@@ -5632,74 +5278,6 @@
                           <a:sym typeface="DejaVu Sans"/>
                         </a:rPr>
                         <a:t>; </a:t>
-                      </a:r>
-                    </a:p>
-                  </a:txBody>
-                  <a:tcPr anchor="ctr" marB="63500" marT="63500" marR="0" marL="0">
-                    <a:lnL algn="ctr" cmpd="sng" cap="flat" w="0">
-                      <a:noFill/>
-                      <a:prstDash val="solid"/>
-                    </a:lnL>
-                    <a:lnR algn="ctr" cmpd="sng" cap="flat" w="0">
-                      <a:noFill/>
-                      <a:prstDash val="solid"/>
-                    </a:lnR>
-                    <a:lnT algn="ctr" cmpd="sng" cap="flat" w="0">
-                      <a:noFill/>
-                      <a:prstDash val="solid"/>
-                    </a:lnT>
-                    <a:lnB algn="ctr" cmpd="sng" cap="flat" w="0">
-                      <a:noFill/>
-                      <a:prstDash val="solid"/>
-                    </a:lnB>
-                    <a:solidFill>
-                      <a:srgbClr val="FFFFFF">
-                        <a:alpha val="0"/>
-                      </a:srgbClr>
-                    </a:solidFill>
-                  </a:tcPr>
-                </a:tc>
-                <a:tc hMerge="true">
-                  <a:txBody>
-                    <a:bodyPr/>
-                    <a:lstStyle/>
-                    <a:p>
-                      <a:pPr algn="l" marL="63500" marR="63500">
-                        <a:lnSpc>
-                          <a:spcPct val="100000"/>
-                        </a:lnSpc>
-                        <a:spcBef>
-                          <a:spcPts val="500"/>
-                        </a:spcBef>
-                        <a:spcAft>
-                          <a:spcPts val="500"/>
-                        </a:spcAft>
-                        <a:buNone/>
-                      </a:pPr>
-                      <a:endParaRPr cap="none" sz="1100" i="0" b="0" u="none">
-                        <a:solidFill>
-                          <a:srgbClr val="000000">
-                            <a:alpha val="100000"/>
-                          </a:srgbClr>
-                        </a:solidFill>
-                        <a:latin typeface="DejaVu Sans"/>
-                        <a:cs typeface="DejaVu Sans"/>
-                        <a:ea typeface="DejaVu Sans"/>
-                        <a:sym typeface="DejaVu Sans"/>
-                      </a:endParaRPr>
-                      <a:r>
-                        <a:rPr cap="none" sz="1100" i="0" b="0" u="none">
-                          <a:solidFill>
-                            <a:srgbClr val="000000">
-                              <a:alpha val="100000"/>
-                            </a:srgbClr>
-                          </a:solidFill>
-                          <a:latin typeface="DejaVu Sans"/>
-                          <a:cs typeface="DejaVu Sans"/>
-                          <a:ea typeface="DejaVu Sans"/>
-                          <a:sym typeface="DejaVu Sans"/>
-                        </a:rPr>
-                        <a:t/>
                       </a:r>
                     </a:p>
                   </a:txBody>
